--- a/포트폴리오/팀 프로젝트/teamPrj_02/PPT/헬스장 관리 프로그램 - 양화영.pptx
+++ b/포트폴리오/팀 프로젝트/teamPrj_02/PPT/헬스장 관리 프로그램 - 양화영.pptx
@@ -3996,8 +3996,8 @@
         </p:nvGrpSpPr>
         <p:grpSpPr>
           <a:xfrm>
-            <a:off x="461727" y="716981"/>
-            <a:ext cx="2497604" cy="802257"/>
+            <a:off x="461726" y="716981"/>
+            <a:ext cx="3266211" cy="802257"/>
             <a:chOff x="461727" y="716981"/>
             <a:chExt cx="2497604" cy="802257"/>
           </a:xfrm>
@@ -4065,7 +4065,7 @@
                 <a:defRPr/>
               </a:pPr>
               <a:r>
-                <a:rPr lang="ko-KR" altLang="en-US" sz="1050" b="1" kern="0" dirty="0" smtClean="0">
+                <a:rPr lang="ko-KR" altLang="en-US" sz="1400" b="1" kern="0" dirty="0" smtClean="0">
                   <a:solidFill>
                     <a:prstClr val="black">
                       <a:lumMod val="85000"/>
@@ -4076,7 +4076,7 @@
                 <a:t>통합 응용 </a:t>
               </a:r>
               <a:r>
-                <a:rPr lang="en-US" altLang="ko-KR" sz="1050" b="1" kern="0" dirty="0" smtClean="0">
+                <a:rPr lang="en-US" altLang="ko-KR" sz="1400" b="1" kern="0" dirty="0" smtClean="0">
                   <a:solidFill>
                     <a:prstClr val="black">
                       <a:lumMod val="85000"/>
@@ -4087,7 +4087,7 @@
                 <a:t>SW </a:t>
               </a:r>
               <a:r>
-                <a:rPr lang="ko-KR" altLang="en-US" sz="1050" b="1" kern="0" dirty="0" smtClean="0">
+                <a:rPr lang="ko-KR" altLang="en-US" sz="1400" b="1" kern="0" dirty="0" smtClean="0">
                   <a:solidFill>
                     <a:prstClr val="black">
                       <a:lumMod val="85000"/>
@@ -4098,7 +4098,7 @@
                 <a:t>개발자</a:t>
               </a:r>
               <a:r>
-                <a:rPr lang="en-US" altLang="ko-KR" sz="1050" b="1" kern="0" dirty="0" smtClean="0">
+                <a:rPr lang="en-US" altLang="ko-KR" sz="1400" b="1" kern="0" dirty="0" smtClean="0">
                   <a:solidFill>
                     <a:prstClr val="black">
                       <a:lumMod val="85000"/>
@@ -4109,7 +4109,7 @@
                 <a:t>(C#, JAVA) </a:t>
               </a:r>
               <a:r>
-                <a:rPr lang="ko-KR" altLang="en-US" sz="1050" b="1" kern="0" dirty="0" smtClean="0">
+                <a:rPr lang="ko-KR" altLang="en-US" sz="1400" b="1" kern="0" dirty="0" smtClean="0">
                   <a:solidFill>
                     <a:prstClr val="black">
                       <a:lumMod val="85000"/>
@@ -4119,7 +4119,7 @@
                 </a:rPr>
                 <a:t>과정</a:t>
               </a:r>
-              <a:endParaRPr lang="en-US" altLang="ko-KR" sz="1050" b="1" kern="0" dirty="0">
+              <a:endParaRPr lang="en-US" altLang="ko-KR" sz="1400" b="1" kern="0" dirty="0">
                 <a:solidFill>
                   <a:prstClr val="black">
                     <a:lumMod val="85000"/>
@@ -4449,7 +4449,7 @@
                 <a:defRPr/>
               </a:pPr>
               <a:r>
-                <a:rPr lang="ko-KR" altLang="en-US" sz="800" kern="0" dirty="0" err="1" smtClean="0">
+                <a:rPr lang="ko-KR" altLang="en-US" sz="1600" kern="0" dirty="0" err="1" smtClean="0">
                   <a:solidFill>
                     <a:prstClr val="black">
                       <a:lumMod val="85000"/>
@@ -4459,7 +4459,7 @@
                 </a:rPr>
                 <a:t>김가현</a:t>
               </a:r>
-              <a:endParaRPr lang="en-US" altLang="ko-KR" sz="800" kern="0" dirty="0">
+              <a:endParaRPr lang="en-US" altLang="ko-KR" sz="1600" kern="0" dirty="0">
                 <a:solidFill>
                   <a:prstClr val="black">
                     <a:lumMod val="85000"/>
@@ -4525,7 +4525,7 @@
             <a:lstStyle/>
             <a:p>
               <a:pPr algn="ctr"/>
-              <a:endParaRPr lang="ko-KR" altLang="en-US">
+              <a:endParaRPr lang="ko-KR" altLang="en-US" sz="4400">
                 <a:solidFill>
                   <a:prstClr val="white"/>
                 </a:solidFill>
@@ -4608,7 +4608,7 @@
                 <a:defRPr/>
               </a:pPr>
               <a:r>
-                <a:rPr lang="ko-KR" altLang="en-US" sz="800" kern="0" dirty="0" smtClean="0">
+                <a:rPr lang="ko-KR" altLang="en-US" sz="1600" kern="0" dirty="0" smtClean="0">
                   <a:solidFill>
                     <a:prstClr val="black">
                       <a:lumMod val="85000"/>
@@ -4618,7 +4618,7 @@
                 </a:rPr>
                 <a:t>박지민</a:t>
               </a:r>
-              <a:endParaRPr lang="en-US" altLang="ko-KR" sz="800" kern="0" dirty="0">
+              <a:endParaRPr lang="en-US" altLang="ko-KR" sz="1600" kern="0" dirty="0">
                 <a:solidFill>
                   <a:prstClr val="black">
                     <a:lumMod val="85000"/>
@@ -4684,7 +4684,7 @@
             <a:lstStyle/>
             <a:p>
               <a:pPr algn="ctr"/>
-              <a:endParaRPr lang="ko-KR" altLang="en-US">
+              <a:endParaRPr lang="ko-KR" altLang="en-US" sz="4400">
                 <a:solidFill>
                   <a:prstClr val="white"/>
                 </a:solidFill>
@@ -4767,7 +4767,7 @@
                 <a:defRPr/>
               </a:pPr>
               <a:r>
-                <a:rPr lang="ko-KR" altLang="en-US" sz="800" kern="0" dirty="0" err="1" smtClean="0">
+                <a:rPr lang="ko-KR" altLang="en-US" sz="1600" kern="0" dirty="0" err="1" smtClean="0">
                   <a:solidFill>
                     <a:prstClr val="black">
                       <a:lumMod val="85000"/>
@@ -4777,7 +4777,7 @@
                 </a:rPr>
                 <a:t>서정빈</a:t>
               </a:r>
-              <a:endParaRPr lang="en-US" altLang="ko-KR" sz="800" kern="0" dirty="0">
+              <a:endParaRPr lang="en-US" altLang="ko-KR" sz="1600" kern="0" dirty="0">
                 <a:solidFill>
                   <a:prstClr val="black">
                     <a:lumMod val="85000"/>
@@ -4843,7 +4843,7 @@
             <a:lstStyle/>
             <a:p>
               <a:pPr algn="ctr"/>
-              <a:endParaRPr lang="ko-KR" altLang="en-US">
+              <a:endParaRPr lang="ko-KR" altLang="en-US" sz="4400">
                 <a:solidFill>
                   <a:prstClr val="white"/>
                 </a:solidFill>
@@ -5020,7 +5020,7 @@
                 <a:defRPr/>
               </a:pPr>
               <a:r>
-                <a:rPr lang="ko-KR" altLang="en-US" sz="800" kern="0" dirty="0" err="1" smtClean="0">
+                <a:rPr lang="ko-KR" altLang="en-US" sz="1600" kern="0" dirty="0" err="1" smtClean="0">
                   <a:solidFill>
                     <a:prstClr val="black">
                       <a:lumMod val="85000"/>
@@ -5030,7 +5030,7 @@
                 </a:rPr>
                 <a:t>양화영</a:t>
               </a:r>
-              <a:endParaRPr lang="en-US" altLang="ko-KR" sz="800" kern="0" dirty="0">
+              <a:endParaRPr lang="en-US" altLang="ko-KR" sz="1600" kern="0" dirty="0">
                 <a:solidFill>
                   <a:prstClr val="black">
                     <a:lumMod val="85000"/>
@@ -5096,7 +5096,7 @@
             <a:lstStyle/>
             <a:p>
               <a:pPr algn="ctr"/>
-              <a:endParaRPr lang="ko-KR" altLang="en-US">
+              <a:endParaRPr lang="ko-KR" altLang="en-US" sz="4400">
                 <a:solidFill>
                   <a:prstClr val="white"/>
                 </a:solidFill>
@@ -5179,7 +5179,7 @@
                 <a:defRPr/>
               </a:pPr>
               <a:r>
-                <a:rPr lang="ko-KR" altLang="en-US" sz="800" kern="0" dirty="0" err="1" smtClean="0">
+                <a:rPr lang="ko-KR" altLang="en-US" sz="1600" kern="0" dirty="0" err="1" smtClean="0">
                   <a:solidFill>
                     <a:prstClr val="black">
                       <a:lumMod val="85000"/>
@@ -5189,7 +5189,7 @@
                 </a:rPr>
                 <a:t>황창식</a:t>
               </a:r>
-              <a:endParaRPr lang="en-US" altLang="ko-KR" sz="800" kern="0" dirty="0">
+              <a:endParaRPr lang="en-US" altLang="ko-KR" sz="1600" kern="0" dirty="0">
                 <a:solidFill>
                   <a:prstClr val="black">
                     <a:lumMod val="85000"/>
@@ -5255,7 +5255,7 @@
             <a:lstStyle/>
             <a:p>
               <a:pPr algn="ctr"/>
-              <a:endParaRPr lang="ko-KR" altLang="en-US">
+              <a:endParaRPr lang="ko-KR" altLang="en-US" sz="4400">
                 <a:solidFill>
                   <a:prstClr val="white"/>
                 </a:solidFill>
@@ -5264,6 +5264,36 @@
           </p:txBody>
         </p:sp>
       </p:grpSp>
+      <p:pic>
+        <p:nvPicPr>
+          <p:cNvPr id="3" name="그림 2"/>
+          <p:cNvPicPr>
+            <a:picLocks noChangeAspect="1"/>
+          </p:cNvPicPr>
+          <p:nvPr/>
+        </p:nvPicPr>
+        <p:blipFill>
+          <a:blip r:embed="rId2">
+            <a:extLst>
+              <a:ext uri="{28A0092B-C50C-407E-A947-70E740481C1C}">
+                <a14:useLocalDpi xmlns:a14="http://schemas.microsoft.com/office/drawing/2010/main" val="0"/>
+              </a:ext>
+            </a:extLst>
+          </a:blip>
+          <a:stretch>
+            <a:fillRect/>
+          </a:stretch>
+        </p:blipFill>
+        <p:spPr>
+          <a:xfrm>
+            <a:off x="7622931" y="2073164"/>
+            <a:ext cx="4742850" cy="4742850"/>
+          </a:xfrm>
+          <a:prstGeom prst="rect">
+            <a:avLst/>
+          </a:prstGeom>
+        </p:spPr>
+      </p:pic>
     </p:spTree>
     <p:extLst>
       <p:ext uri="{BB962C8B-B14F-4D97-AF65-F5344CB8AC3E}">
@@ -18337,7 +18367,7 @@
                   </a:prstClr>
                 </a:solidFill>
               </a:rPr>
-              <a:t>프로그램을 구상</a:t>
+              <a:t>프로그램을 제작</a:t>
             </a:r>
             <a:endParaRPr lang="ko-KR" altLang="en-US" sz="1100" dirty="0">
               <a:solidFill>

--- a/포트폴리오/팀 프로젝트/teamPrj_02/PPT/헬스장 관리 프로그램 - 양화영.pptx
+++ b/포트폴리오/팀 프로젝트/teamPrj_02/PPT/헬스장 관리 프로그램 - 양화영.pptx
@@ -279,7 +279,7 @@
                 </a:solidFill>
               </a:rPr>
               <a:pPr/>
-              <a:t>2021-05-10</a:t>
+              <a:t>2021-05-12</a:t>
             </a:fld>
             <a:endParaRPr lang="ko-KR" altLang="en-US">
               <a:solidFill>
@@ -509,7 +509,7 @@
                 </a:solidFill>
               </a:rPr>
               <a:pPr/>
-              <a:t>2021-05-10</a:t>
+              <a:t>2021-05-12</a:t>
             </a:fld>
             <a:endParaRPr lang="ko-KR" altLang="en-US">
               <a:solidFill>
@@ -749,7 +749,7 @@
                 </a:solidFill>
               </a:rPr>
               <a:pPr/>
-              <a:t>2021-05-10</a:t>
+              <a:t>2021-05-12</a:t>
             </a:fld>
             <a:endParaRPr lang="ko-KR" altLang="en-US">
               <a:solidFill>
@@ -979,7 +979,7 @@
                 </a:solidFill>
               </a:rPr>
               <a:pPr/>
-              <a:t>2021-05-10</a:t>
+              <a:t>2021-05-12</a:t>
             </a:fld>
             <a:endParaRPr lang="ko-KR" altLang="en-US">
               <a:solidFill>
@@ -1286,7 +1286,7 @@
                 </a:solidFill>
               </a:rPr>
               <a:pPr/>
-              <a:t>2021-05-10</a:t>
+              <a:t>2021-05-12</a:t>
             </a:fld>
             <a:endParaRPr lang="ko-KR" altLang="en-US">
               <a:solidFill>
@@ -1583,7 +1583,7 @@
                 </a:solidFill>
               </a:rPr>
               <a:pPr/>
-              <a:t>2021-05-10</a:t>
+              <a:t>2021-05-12</a:t>
             </a:fld>
             <a:endParaRPr lang="ko-KR" altLang="en-US">
               <a:solidFill>
@@ -2027,7 +2027,7 @@
                 </a:solidFill>
               </a:rPr>
               <a:pPr/>
-              <a:t>2021-05-10</a:t>
+              <a:t>2021-05-12</a:t>
             </a:fld>
             <a:endParaRPr lang="ko-KR" altLang="en-US">
               <a:solidFill>
@@ -2200,7 +2200,7 @@
                 </a:solidFill>
               </a:rPr>
               <a:pPr/>
-              <a:t>2021-05-10</a:t>
+              <a:t>2021-05-12</a:t>
             </a:fld>
             <a:endParaRPr lang="ko-KR" altLang="en-US">
               <a:solidFill>
@@ -2345,7 +2345,7 @@
                 </a:solidFill>
               </a:rPr>
               <a:pPr/>
-              <a:t>2021-05-10</a:t>
+              <a:t>2021-05-12</a:t>
             </a:fld>
             <a:endParaRPr lang="ko-KR" altLang="en-US">
               <a:solidFill>
@@ -2688,7 +2688,7 @@
                 </a:solidFill>
               </a:rPr>
               <a:pPr/>
-              <a:t>2021-05-10</a:t>
+              <a:t>2021-05-12</a:t>
             </a:fld>
             <a:endParaRPr lang="ko-KR" altLang="en-US">
               <a:solidFill>
@@ -3008,7 +3008,7 @@
                 </a:solidFill>
               </a:rPr>
               <a:pPr/>
-              <a:t>2021-05-10</a:t>
+              <a:t>2021-05-12</a:t>
             </a:fld>
             <a:endParaRPr lang="ko-KR" altLang="en-US">
               <a:solidFill>
@@ -3281,7 +3281,7 @@
                 </a:solidFill>
               </a:rPr>
               <a:pPr/>
-              <a:t>2021-05-10</a:t>
+              <a:t>2021-05-12</a:t>
             </a:fld>
             <a:endParaRPr lang="ko-KR" altLang="en-US">
               <a:solidFill>
@@ -16726,7 +16726,7 @@
                   </a:prstClr>
                 </a:solidFill>
               </a:rPr>
-              <a:t>Data Base</a:t>
+              <a:t>DBMS</a:t>
             </a:r>
             <a:endParaRPr lang="en-US" altLang="ko-KR" sz="1400" b="1" dirty="0">
               <a:solidFill>
@@ -21152,18 +21152,7 @@
                   </a:prstClr>
                 </a:solidFill>
               </a:rPr>
-              <a:t> </a:t>
-            </a:r>
-            <a:r>
-              <a:rPr lang="ko-KR" altLang="en-US" sz="1400" b="1" dirty="0" smtClean="0">
-                <a:solidFill>
-                  <a:prstClr val="black">
-                    <a:lumMod val="85000"/>
-                    <a:lumOff val="15000"/>
-                  </a:prstClr>
-                </a:solidFill>
-              </a:rPr>
-              <a:t>조회 후 비어있지 않다면 반납</a:t>
+              <a:t> 조회 후 비어있지 않다면 반납</a:t>
             </a:r>
             <a:endParaRPr lang="ko-KR" altLang="en-US" sz="900" dirty="0">
               <a:solidFill>
